--- a/papers/Posters/UGRS_2018_ILL_2_current.pptx
+++ b/papers/Posters/UGRS_2018_ILL_2_current.pptx
@@ -15063,7 +15063,7 @@
                 <a:cs typeface="Georgia"/>
                 <a:sym typeface="Georgia"/>
               </a:rPr>
-              <a:t> Editors preserve complexity in language</a:t>
+              <a:t> 			Interlocutors preserve complexity in language</a:t>
             </a:r>
             <a:endParaRPr sz="7920" dirty="0">
               <a:solidFill>
@@ -15449,33 +15449,6 @@
           </a:p>
         </p:txBody>
       </p:sp>
-      <p:pic>
-        <p:nvPicPr>
-          <p:cNvPr id="106" name="Google Shape;106;p13"/>
-          <p:cNvPicPr preferRelativeResize="0"/>
-          <p:nvPr/>
-        </p:nvPicPr>
-        <p:blipFill rotWithShape="1">
-          <a:blip r:embed="rId4">
-            <a:alphaModFix/>
-          </a:blip>
-          <a:srcRect/>
-          <a:stretch/>
-        </p:blipFill>
-        <p:spPr>
-          <a:xfrm>
-            <a:off x="35574554" y="365761"/>
-            <a:ext cx="6945047" cy="2916086"/>
-          </a:xfrm>
-          <a:prstGeom prst="rect">
-            <a:avLst/>
-          </a:prstGeom>
-          <a:noFill/>
-          <a:ln>
-            <a:noFill/>
-          </a:ln>
-        </p:spPr>
-      </p:pic>
       <p:sp>
         <p:nvSpPr>
           <p:cNvPr id="114" name="Google Shape;114;p13"/>
@@ -15541,7 +15514,7 @@
           <p:nvPr/>
         </p:nvPicPr>
         <p:blipFill rotWithShape="1">
-          <a:blip r:embed="rId5"/>
+          <a:blip r:embed="rId4"/>
           <a:srcRect l="3178" t="24123" r="2996" b="28295"/>
           <a:stretch/>
         </p:blipFill>
@@ -15570,7 +15543,7 @@
         <p:spPr>
           <a:xfrm>
             <a:off x="218138" y="5443585"/>
-            <a:ext cx="16250370" cy="7183505"/>
+            <a:ext cx="16250370" cy="6592574"/>
           </a:xfrm>
           <a:prstGeom prst="rect">
             <a:avLst/>
@@ -15591,13 +15564,13 @@
               <a:rPr lang="en-US" sz="3840" dirty="0">
                 <a:latin typeface="Georgia" panose="02040502050405020303" pitchFamily="18" charset="0"/>
               </a:rPr>
-              <a:t>Why do languages change and evolve, aside from acquiring new vocabulary?</a:t>
+              <a:t>Why do languages change and evolve, aside from acquiring new vocabulary? </a:t>
             </a:r>
           </a:p>
           <a:p>
-            <a:pPr marL="617220" indent="-617220">
-              <a:buFont typeface="+mj-lt"/>
-              <a:buAutoNum type="arabicPeriod"/>
+            <a:pPr marL="548640" indent="-548640">
+              <a:buFont typeface="Arial" panose="020B0604020202020204" pitchFamily="34" charset="0"/>
+              <a:buChar char="•"/>
             </a:pPr>
             <a:r>
               <a:rPr lang="en-US" sz="3840" b="1" dirty="0">
@@ -15634,42 +15607,6 @@
             </a:endParaRPr>
           </a:p>
           <a:p>
-            <a:pPr marL="617220" indent="-617220">
-              <a:buFont typeface="+mj-lt"/>
-              <a:buAutoNum type="arabicPeriod"/>
-            </a:pPr>
-            <a:r>
-              <a:rPr lang="en-US" sz="3840" b="1" dirty="0">
-                <a:latin typeface="Georgia" panose="02040502050405020303" pitchFamily="18" charset="0"/>
-              </a:rPr>
-              <a:t>Descriptiveness</a:t>
-            </a:r>
-            <a:r>
-              <a:rPr lang="en-US" sz="3840" dirty="0">
-                <a:latin typeface="Georgia" panose="02040502050405020303" pitchFamily="18" charset="0"/>
-              </a:rPr>
-              <a:t> pressure: the language needs to be </a:t>
-            </a:r>
-            <a:r>
-              <a:rPr lang="en-US" sz="3840" b="1" dirty="0">
-                <a:latin typeface="Georgia" panose="02040502050405020303" pitchFamily="18" charset="0"/>
-              </a:rPr>
-              <a:t>useful, </a:t>
-            </a:r>
-            <a:r>
-              <a:rPr lang="en-US" sz="3840" dirty="0">
-                <a:latin typeface="Georgia" panose="02040502050405020303" pitchFamily="18" charset="0"/>
-              </a:rPr>
-              <a:t>and therefore </a:t>
-            </a:r>
-            <a:r>
-              <a:rPr lang="en-US" sz="3840" b="1" dirty="0">
-                <a:latin typeface="Georgia" panose="02040502050405020303" pitchFamily="18" charset="0"/>
-              </a:rPr>
-              <a:t>more complex. </a:t>
-            </a:r>
-          </a:p>
-          <a:p>
             <a:pPr marL="548640" indent="-548640">
               <a:buFont typeface="Arial" panose="020B0604020202020204" pitchFamily="34" charset="0"/>
               <a:buChar char="•"/>
@@ -15690,25 +15627,22 @@
               <a:rPr lang="en-US" sz="3840" dirty="0">
                 <a:latin typeface="Georgia" panose="02040502050405020303" pitchFamily="18" charset="0"/>
               </a:rPr>
-              <a:t>what keeps </a:t>
+              <a:t>what protects against oversimplification? </a:t>
             </a:r>
-            <a:r>
-              <a:rPr lang="en-US" sz="3840" b="1" dirty="0">
-                <a:latin typeface="Georgia" panose="02040502050405020303" pitchFamily="18" charset="0"/>
-              </a:rPr>
-              <a:t>descriptiveness</a:t>
-            </a:r>
+            <a:endParaRPr lang="en-US" sz="3840" b="1" dirty="0">
+              <a:latin typeface="Georgia" panose="02040502050405020303" pitchFamily="18" charset="0"/>
+            </a:endParaRPr>
+          </a:p>
+          <a:p>
+            <a:pPr marL="548640" indent="-548640">
+              <a:buFont typeface="Arial" panose="020B0604020202020204" pitchFamily="34" charset="0"/>
+              <a:buChar char="•"/>
+            </a:pPr>
             <a:r>
               <a:rPr lang="en-US" sz="3840" dirty="0">
                 <a:latin typeface="Georgia" panose="02040502050405020303" pitchFamily="18" charset="0"/>
               </a:rPr>
-              <a:t> around?</a:t>
-            </a:r>
-            <a:r>
-              <a:rPr lang="en-US" sz="3840" b="1" dirty="0">
-                <a:latin typeface="Georgia" panose="02040502050405020303" pitchFamily="18" charset="0"/>
-              </a:rPr>
-              <a:t>	</a:t>
+              <a:t>Language learning is an active, social process: involving feedback from those who are more knowledgeable in the language (e.g. parents).</a:t>
             </a:r>
           </a:p>
           <a:p>
@@ -15720,19 +15654,7 @@
               <a:rPr lang="en-US" sz="3840" dirty="0">
                 <a:latin typeface="Georgia" panose="02040502050405020303" pitchFamily="18" charset="0"/>
               </a:rPr>
-              <a:t>Language learning is an active, social process: involving feedback from those who are more knowledgeable in the language (e.g. teachers).</a:t>
-            </a:r>
-          </a:p>
-          <a:p>
-            <a:pPr marL="548640" indent="-548640">
-              <a:buFont typeface="Arial" panose="020B0604020202020204" pitchFamily="34" charset="0"/>
-              <a:buChar char="•"/>
-            </a:pPr>
-            <a:r>
-              <a:rPr lang="en-US" sz="3840" dirty="0">
-                <a:latin typeface="Georgia" panose="02040502050405020303" pitchFamily="18" charset="0"/>
-              </a:rPr>
-              <a:t>We predict that the influence of teachers through correction is a mechanism by which descriptiveness is retained in language systems. </a:t>
+              <a:t>We predict that the the influence of these knowledgeable speakers, by way of implicit or explicit correction, protects against oversimplification in the language-transmission process. </a:t>
             </a:r>
           </a:p>
         </p:txBody>
@@ -15824,7 +15746,7 @@
                 <a:cs typeface="Georgia"/>
                 <a:sym typeface="Georgia"/>
               </a:rPr>
-              <a:t>Diffusion Chain Paradigm</a:t>
+              <a:t>Iterated Learning Paradigm</a:t>
             </a:r>
             <a:endParaRPr lang="en-US" sz="6720" dirty="0">
               <a:solidFill>
@@ -15916,7 +15838,7 @@
           <p:nvPr/>
         </p:nvPicPr>
         <p:blipFill>
-          <a:blip r:embed="rId6" cstate="print">
+          <a:blip r:embed="rId5" cstate="print">
             <a:extLst>
               <a:ext uri="{28A0092B-C50C-407E-A947-70E740481C1C}">
                 <a14:useLocalDpi xmlns:a14="http://schemas.microsoft.com/office/drawing/2010/main" val="0"/>
@@ -15950,7 +15872,7 @@
           <p:nvPr/>
         </p:nvPicPr>
         <p:blipFill>
-          <a:blip r:embed="rId7" cstate="print">
+          <a:blip r:embed="rId6" cstate="print">
             <a:extLst>
               <a:ext uri="{28A0092B-C50C-407E-A947-70E740481C1C}">
                 <a14:useLocalDpi xmlns:a14="http://schemas.microsoft.com/office/drawing/2010/main" val="0"/>
@@ -15984,7 +15906,7 @@
           <p:nvPr/>
         </p:nvPicPr>
         <p:blipFill>
-          <a:blip r:embed="rId8" cstate="print">
+          <a:blip r:embed="rId7" cstate="print">
             <a:extLst>
               <a:ext uri="{28A0092B-C50C-407E-A947-70E740481C1C}">
                 <a14:useLocalDpi xmlns:a14="http://schemas.microsoft.com/office/drawing/2010/main" val="0"/>
@@ -16266,7 +16188,7 @@
               <a:rPr lang="en-US" sz="4320" b="1" dirty="0">
                 <a:latin typeface="Georgia" panose="02040502050405020303" pitchFamily="18" charset="0"/>
               </a:rPr>
-              <a:t>1. Learner Baseline Condition &amp; Learners in Dyad Condition </a:t>
+              <a:t>1. Baseline Experiment &amp; Learners in Dyad Experiment </a:t>
             </a:r>
           </a:p>
         </p:txBody>
@@ -16303,7 +16225,7 @@
               <a:rPr lang="en-US" sz="4320" b="1" dirty="0">
                 <a:latin typeface="Georgia" panose="02040502050405020303" pitchFamily="18" charset="0"/>
               </a:rPr>
-              <a:t>2. Fixers in Dyad Condition</a:t>
+              <a:t>2. Fixers in Dyad Experiment</a:t>
             </a:r>
           </a:p>
         </p:txBody>
@@ -16773,7 +16695,7 @@
           <p:nvPr/>
         </p:nvPicPr>
         <p:blipFill>
-          <a:blip r:embed="rId9" cstate="print">
+          <a:blip r:embed="rId8" cstate="print">
             <a:extLst>
               <a:ext uri="{28A0092B-C50C-407E-A947-70E740481C1C}">
                 <a14:useLocalDpi xmlns:a14="http://schemas.microsoft.com/office/drawing/2010/main" val="0"/>
@@ -16826,7 +16748,7 @@
               <a:rPr lang="en-US" sz="3600" b="1" dirty="0">
                 <a:latin typeface="Georgia" panose="02040502050405020303" pitchFamily="18" charset="0"/>
               </a:rPr>
-              <a:t>Adult Baseline Condition:</a:t>
+              <a:t>Adult Baseline Experiment:</a:t>
             </a:r>
           </a:p>
           <a:p>
@@ -16895,7 +16817,7 @@
               <a:rPr lang="en-US" sz="3600" b="1" dirty="0">
                 <a:latin typeface="Georgia" panose="02040502050405020303" pitchFamily="18" charset="0"/>
               </a:rPr>
-              <a:t>Learner-Fixer Dyad Condition:</a:t>
+              <a:t>Adult-Adult Dyad Experiment:</a:t>
             </a:r>
           </a:p>
           <a:p>
@@ -16946,8 +16868,8 @@
         </p:nvSpPr>
         <p:spPr>
           <a:xfrm>
-            <a:off x="26322184" y="25332427"/>
-            <a:ext cx="17108546" cy="7183505"/>
+            <a:off x="25779672" y="25332427"/>
+            <a:ext cx="17651058" cy="6863417"/>
           </a:xfrm>
           <a:prstGeom prst="rect">
             <a:avLst/>
@@ -16965,7 +16887,7 @@
               <a:buChar char="•"/>
             </a:pPr>
             <a:r>
-              <a:rPr lang="en-US" sz="3840" dirty="0">
+              <a:rPr lang="en-US" sz="4400" dirty="0">
                 <a:latin typeface="Georgia" panose="02040502050405020303" pitchFamily="18" charset="0"/>
               </a:rPr>
               <a:t>Adding a corrective element into the language learning process—like feedback from a teacher—allows a higher degree of descriptiveness to be retained in language</a:t>
@@ -16977,7 +16899,7 @@
               <a:buChar char="•"/>
             </a:pPr>
             <a:r>
-              <a:rPr lang="en-US" sz="3840" dirty="0">
+              <a:rPr lang="en-US" sz="4400" dirty="0">
                 <a:latin typeface="Georgia" panose="02040502050405020303" pitchFamily="18" charset="0"/>
               </a:rPr>
               <a:t>Vertical language transmission may be the mechanism by which languages are protected from degeneration </a:t>
@@ -16989,7 +16911,7 @@
               <a:buChar char="•"/>
             </a:pPr>
             <a:r>
-              <a:rPr lang="en-US" sz="3840" dirty="0">
+              <a:rPr lang="en-US" sz="4400" dirty="0">
                 <a:latin typeface="Georgia" panose="02040502050405020303" pitchFamily="18" charset="0"/>
               </a:rPr>
               <a:t>Three measures of pattern complexity had strikingly similar results </a:t>
@@ -17001,7 +16923,7 @@
               <a:buChar char="•"/>
             </a:pPr>
             <a:r>
-              <a:rPr lang="en-US" sz="3840" dirty="0">
+              <a:rPr lang="en-US" sz="4400" dirty="0">
                 <a:latin typeface="Georgia" panose="02040502050405020303" pitchFamily="18" charset="0"/>
               </a:rPr>
               <a:t>Results replicated original work by Kempe et al. (2015) </a:t>
@@ -17013,10 +16935,10 @@
               <a:buChar char="•"/>
             </a:pPr>
             <a:r>
-              <a:rPr lang="en-US" sz="3840" dirty="0">
+              <a:rPr lang="en-US" sz="4400" dirty="0">
                 <a:latin typeface="Georgia" panose="02040502050405020303" pitchFamily="18" charset="0"/>
               </a:rPr>
-              <a:t>Data collection is ongoing with children ages 6-8 at the Museum of Science and Industry in Child Baseline and Child-Adult Dyad conditions to investigate how child and adult learners may differentially change an evolving language, as children and adults may possess different pressures affecting the language-learning process</a:t>
+              <a:t>Data collection is ongoing with children ages 6-8 at the Museum of Science and Industry in Child Baseline and Child-Adult Dyad conditions</a:t>
             </a:r>
           </a:p>
         </p:txBody>
@@ -17073,7 +16995,7 @@
           <p:nvPr/>
         </p:nvPicPr>
         <p:blipFill>
-          <a:blip r:embed="rId10"/>
+          <a:blip r:embed="rId9"/>
           <a:stretch>
             <a:fillRect/>
           </a:stretch>
@@ -17101,7 +17023,7 @@
           <p:nvPr/>
         </p:nvPicPr>
         <p:blipFill>
-          <a:blip r:embed="rId9" cstate="print">
+          <a:blip r:embed="rId8" cstate="print">
             <a:extLst>
               <a:ext uri="{28A0092B-C50C-407E-A947-70E740481C1C}">
                 <a14:useLocalDpi xmlns:a14="http://schemas.microsoft.com/office/drawing/2010/main" val="0"/>
@@ -17154,7 +17076,7 @@
               <a:rPr lang="en-US" sz="4320" b="1" dirty="0">
                 <a:latin typeface="Georgia" panose="02040502050405020303" pitchFamily="18" charset="0"/>
               </a:rPr>
-              <a:t>1. Learner Baseline Condition</a:t>
+              <a:t>1. Baseline Experiment</a:t>
             </a:r>
           </a:p>
         </p:txBody>
@@ -17191,7 +17113,7 @@
               <a:rPr lang="en-US" sz="4320" b="1" dirty="0">
                 <a:latin typeface="Georgia" panose="02040502050405020303" pitchFamily="18" charset="0"/>
               </a:rPr>
-              <a:t>2. Learner-Fixer Dyad Condition</a:t>
+              <a:t>2. Dyad Experiment </a:t>
             </a:r>
           </a:p>
         </p:txBody>
@@ -17211,7 +17133,7 @@
           <p:nvPr/>
         </p:nvPicPr>
         <p:blipFill>
-          <a:blip r:embed="rId11"/>
+          <a:blip r:embed="rId10"/>
           <a:stretch>
             <a:fillRect/>
           </a:stretch>
@@ -17241,7 +17163,7 @@
           <p:nvPr/>
         </p:nvPicPr>
         <p:blipFill>
-          <a:blip r:embed="rId12"/>
+          <a:blip r:embed="rId11"/>
           <a:stretch>
             <a:fillRect/>
           </a:stretch>
@@ -17271,7 +17193,7 @@
           <p:nvPr/>
         </p:nvPicPr>
         <p:blipFill>
-          <a:blip r:embed="rId13"/>
+          <a:blip r:embed="rId12"/>
           <a:stretch>
             <a:fillRect/>
           </a:stretch>
@@ -17301,7 +17223,7 @@
           <p:nvPr/>
         </p:nvPicPr>
         <p:blipFill>
-          <a:blip r:embed="rId14"/>
+          <a:blip r:embed="rId13"/>
           <a:stretch>
             <a:fillRect/>
           </a:stretch>
@@ -17331,7 +17253,7 @@
           <p:nvPr/>
         </p:nvPicPr>
         <p:blipFill>
-          <a:blip r:embed="rId15"/>
+          <a:blip r:embed="rId14"/>
           <a:stretch>
             <a:fillRect/>
           </a:stretch>
@@ -17361,7 +17283,7 @@
           <p:nvPr/>
         </p:nvPicPr>
         <p:blipFill>
-          <a:blip r:embed="rId16"/>
+          <a:blip r:embed="rId15"/>
           <a:stretch>
             <a:fillRect/>
           </a:stretch>
@@ -17686,7 +17608,7 @@
           <p:nvPr/>
         </p:nvPicPr>
         <p:blipFill>
-          <a:blip r:embed="rId17"/>
+          <a:blip r:embed="rId16"/>
           <a:stretch>
             <a:fillRect/>
           </a:stretch>
@@ -17761,7 +17683,7 @@
           <p:nvPr/>
         </p:nvPicPr>
         <p:blipFill>
-          <a:blip r:embed="rId18"/>
+          <a:blip r:embed="rId17"/>
           <a:stretch>
             <a:fillRect/>
           </a:stretch>
@@ -17917,7 +17839,7 @@
           <p:nvPr/>
         </p:nvPicPr>
         <p:blipFill>
-          <a:blip r:embed="rId19"/>
+          <a:blip r:embed="rId18"/>
           <a:stretch>
             <a:fillRect/>
           </a:stretch>
@@ -18073,7 +17995,7 @@
           <p:nvPr/>
         </p:nvPicPr>
         <p:blipFill>
-          <a:blip r:embed="rId20"/>
+          <a:blip r:embed="rId19"/>
           <a:stretch>
             <a:fillRect/>
           </a:stretch>
@@ -18285,10 +18207,43 @@
       </p:cxnSp>
       <p:pic>
         <p:nvPicPr>
-          <p:cNvPr id="4" name="Picture 3">
+          <p:cNvPr id="80" name="Google Shape;106;p13">
             <a:extLst>
               <a:ext uri="{FF2B5EF4-FFF2-40B4-BE49-F238E27FC236}">
-                <a16:creationId xmlns:a16="http://schemas.microsoft.com/office/drawing/2014/main" id="{9205A599-EE56-A84B-B137-C86FE35B5878}"/>
+                <a16:creationId xmlns:a16="http://schemas.microsoft.com/office/drawing/2014/main" id="{8A7B8B3D-29FA-7341-BACB-0D911E111286}"/>
+              </a:ext>
+            </a:extLst>
+          </p:cNvPr>
+          <p:cNvPicPr preferRelativeResize="0"/>
+          <p:nvPr/>
+        </p:nvPicPr>
+        <p:blipFill rotWithShape="1">
+          <a:blip r:embed="rId20">
+            <a:alphaModFix/>
+          </a:blip>
+          <a:srcRect/>
+          <a:stretch/>
+        </p:blipFill>
+        <p:spPr>
+          <a:xfrm>
+            <a:off x="36931600" y="466526"/>
+            <a:ext cx="5949700" cy="2650247"/>
+          </a:xfrm>
+          <a:prstGeom prst="rect">
+            <a:avLst/>
+          </a:prstGeom>
+          <a:noFill/>
+          <a:ln>
+            <a:noFill/>
+          </a:ln>
+        </p:spPr>
+      </p:pic>
+      <p:pic>
+        <p:nvPicPr>
+          <p:cNvPr id="81" name="Picture 80">
+            <a:extLst>
+              <a:ext uri="{FF2B5EF4-FFF2-40B4-BE49-F238E27FC236}">
+                <a16:creationId xmlns:a16="http://schemas.microsoft.com/office/drawing/2014/main" id="{A5A02F5D-FA40-314E-9F1B-DB4B97C748EA}"/>
               </a:ext>
             </a:extLst>
           </p:cNvPr>
@@ -18305,8 +18260,8 @@
         </p:blipFill>
         <p:spPr>
           <a:xfrm>
-            <a:off x="16511034" y="10800819"/>
-            <a:ext cx="11395724" cy="7389415"/>
+            <a:off x="16727767" y="8866101"/>
+            <a:ext cx="11388159" cy="6417903"/>
           </a:xfrm>
           <a:prstGeom prst="rect">
             <a:avLst/>
@@ -18315,10 +18270,10 @@
       </p:pic>
       <p:pic>
         <p:nvPicPr>
-          <p:cNvPr id="8" name="Picture 7">
+          <p:cNvPr id="99" name="Picture 98">
             <a:extLst>
               <a:ext uri="{FF2B5EF4-FFF2-40B4-BE49-F238E27FC236}">
-                <a16:creationId xmlns:a16="http://schemas.microsoft.com/office/drawing/2014/main" id="{96253E47-8EA2-124D-8888-A87065CCF5A5}"/>
+                <a16:creationId xmlns:a16="http://schemas.microsoft.com/office/drawing/2014/main" id="{A3900032-CDCD-8C48-B80B-63CCAFA09A52}"/>
               </a:ext>
             </a:extLst>
           </p:cNvPr>
@@ -18335,8 +18290,8 @@
         </p:blipFill>
         <p:spPr>
           <a:xfrm>
-            <a:off x="26209104" y="18097464"/>
-            <a:ext cx="8547100" cy="4953000"/>
+            <a:off x="15890617" y="16213935"/>
+            <a:ext cx="13310627" cy="7356773"/>
           </a:xfrm>
           <a:prstGeom prst="rect">
             <a:avLst/>
@@ -18345,10 +18300,10 @@
       </p:pic>
       <p:pic>
         <p:nvPicPr>
-          <p:cNvPr id="10" name="Picture 9">
+          <p:cNvPr id="101" name="Picture 100">
             <a:extLst>
               <a:ext uri="{FF2B5EF4-FFF2-40B4-BE49-F238E27FC236}">
-                <a16:creationId xmlns:a16="http://schemas.microsoft.com/office/drawing/2014/main" id="{130069A8-25AD-3747-B32D-1AEA9ACCC8B7}"/>
+                <a16:creationId xmlns:a16="http://schemas.microsoft.com/office/drawing/2014/main" id="{A42B0C56-A5D6-A14C-9575-C7AA089645CF}"/>
               </a:ext>
             </a:extLst>
           </p:cNvPr>
@@ -18365,44 +18320,266 @@
         </p:blipFill>
         <p:spPr>
           <a:xfrm>
-            <a:off x="35171637" y="18182076"/>
-            <a:ext cx="8547100" cy="4991100"/>
+            <a:off x="30034263" y="9814353"/>
+            <a:ext cx="11388159" cy="8504211"/>
           </a:xfrm>
           <a:prstGeom prst="rect">
             <a:avLst/>
           </a:prstGeom>
         </p:spPr>
       </p:pic>
-      <p:pic>
-        <p:nvPicPr>
-          <p:cNvPr id="12" name="Picture 11">
+      <p:sp>
+        <p:nvSpPr>
+          <p:cNvPr id="108" name="TextBox 107">
             <a:extLst>
               <a:ext uri="{FF2B5EF4-FFF2-40B4-BE49-F238E27FC236}">
-                <a16:creationId xmlns:a16="http://schemas.microsoft.com/office/drawing/2014/main" id="{388DD90B-D778-3142-91BE-83B78AEE9317}"/>
+                <a16:creationId xmlns:a16="http://schemas.microsoft.com/office/drawing/2014/main" id="{4C7CB0F1-6439-E04C-BB7C-8D3560E8E1B7}"/>
               </a:ext>
             </a:extLst>
           </p:cNvPr>
-          <p:cNvPicPr>
-            <a:picLocks noChangeAspect="1"/>
-          </p:cNvPicPr>
+          <p:cNvSpPr txBox="1"/>
           <p:nvPr/>
-        </p:nvPicPr>
-        <p:blipFill>
-          <a:blip r:embed="rId24"/>
-          <a:stretch>
-            <a:fillRect/>
-          </a:stretch>
-        </p:blipFill>
+        </p:nvSpPr>
         <p:spPr>
           <a:xfrm>
-            <a:off x="28267807" y="8352190"/>
-            <a:ext cx="14613493" cy="8156368"/>
+            <a:off x="21632041" y="8284973"/>
+            <a:ext cx="3176029" cy="830997"/>
           </a:xfrm>
           <a:prstGeom prst="rect">
             <a:avLst/>
           </a:prstGeom>
+          <a:noFill/>
         </p:spPr>
-      </p:pic>
+        <p:txBody>
+          <a:bodyPr wrap="square" rtlCol="0">
+            <a:spAutoFit/>
+          </a:bodyPr>
+          <a:lstStyle/>
+          <a:p>
+            <a:r>
+              <a:rPr lang="en-US" sz="4800" b="1" dirty="0">
+                <a:latin typeface="Georgia" panose="02040502050405020303" pitchFamily="18" charset="0"/>
+              </a:rPr>
+              <a:t> Baseline </a:t>
+            </a:r>
+          </a:p>
+        </p:txBody>
+      </p:sp>
+      <p:sp>
+        <p:nvSpPr>
+          <p:cNvPr id="110" name="TextBox 109">
+            <a:extLst>
+              <a:ext uri="{FF2B5EF4-FFF2-40B4-BE49-F238E27FC236}">
+                <a16:creationId xmlns:a16="http://schemas.microsoft.com/office/drawing/2014/main" id="{F524517F-6773-D142-BD44-57CAFBDC8150}"/>
+              </a:ext>
+            </a:extLst>
+          </p:cNvPr>
+          <p:cNvSpPr txBox="1"/>
+          <p:nvPr/>
+        </p:nvSpPr>
+        <p:spPr>
+          <a:xfrm>
+            <a:off x="21996680" y="15765065"/>
+            <a:ext cx="1817655" cy="830997"/>
+          </a:xfrm>
+          <a:prstGeom prst="rect">
+            <a:avLst/>
+          </a:prstGeom>
+          <a:noFill/>
+        </p:spPr>
+        <p:txBody>
+          <a:bodyPr wrap="square" rtlCol="0">
+            <a:spAutoFit/>
+          </a:bodyPr>
+          <a:lstStyle/>
+          <a:p>
+            <a:r>
+              <a:rPr lang="en-US" sz="4800" b="1" dirty="0">
+                <a:latin typeface="Georgia" panose="02040502050405020303" pitchFamily="18" charset="0"/>
+              </a:rPr>
+              <a:t>Dyad</a:t>
+            </a:r>
+          </a:p>
+        </p:txBody>
+      </p:sp>
+      <p:sp>
+        <p:nvSpPr>
+          <p:cNvPr id="11" name="Rectangle 10">
+            <a:extLst>
+              <a:ext uri="{FF2B5EF4-FFF2-40B4-BE49-F238E27FC236}">
+                <a16:creationId xmlns:a16="http://schemas.microsoft.com/office/drawing/2014/main" id="{7ED2DA7D-F24F-AE46-B46A-13052DF566FB}"/>
+              </a:ext>
+            </a:extLst>
+          </p:cNvPr>
+          <p:cNvSpPr/>
+          <p:nvPr/>
+        </p:nvSpPr>
+        <p:spPr>
+          <a:xfrm>
+            <a:off x="36931600" y="13337058"/>
+            <a:ext cx="3739322" cy="685800"/>
+          </a:xfrm>
+          <a:prstGeom prst="rect">
+            <a:avLst/>
+          </a:prstGeom>
+          <a:solidFill>
+            <a:schemeClr val="accent3"/>
+          </a:solidFill>
+          <a:ln>
+            <a:noFill/>
+          </a:ln>
+        </p:spPr>
+        <p:style>
+          <a:lnRef idx="2">
+            <a:schemeClr val="accent1">
+              <a:shade val="50000"/>
+            </a:schemeClr>
+          </a:lnRef>
+          <a:fillRef idx="1">
+            <a:schemeClr val="accent1"/>
+          </a:fillRef>
+          <a:effectRef idx="0">
+            <a:schemeClr val="accent1"/>
+          </a:effectRef>
+          <a:fontRef idx="minor">
+            <a:schemeClr val="lt1"/>
+          </a:fontRef>
+        </p:style>
+        <p:txBody>
+          <a:bodyPr rtlCol="0" anchor="ctr"/>
+          <a:lstStyle/>
+          <a:p>
+            <a:pPr algn="ctr"/>
+            <a:endParaRPr lang="en-US"/>
+          </a:p>
+        </p:txBody>
+      </p:sp>
+      <p:sp>
+        <p:nvSpPr>
+          <p:cNvPr id="111" name="Rectangle 110">
+            <a:extLst>
+              <a:ext uri="{FF2B5EF4-FFF2-40B4-BE49-F238E27FC236}">
+                <a16:creationId xmlns:a16="http://schemas.microsoft.com/office/drawing/2014/main" id="{9E32E832-93FF-2046-8911-E4CB2121726C}"/>
+              </a:ext>
+            </a:extLst>
+          </p:cNvPr>
+          <p:cNvSpPr/>
+          <p:nvPr/>
+        </p:nvSpPr>
+        <p:spPr>
+          <a:xfrm>
+            <a:off x="34719063" y="15596481"/>
+            <a:ext cx="3739322" cy="685800"/>
+          </a:xfrm>
+          <a:prstGeom prst="rect">
+            <a:avLst/>
+          </a:prstGeom>
+          <a:solidFill>
+            <a:schemeClr val="accent3"/>
+          </a:solidFill>
+          <a:ln>
+            <a:noFill/>
+          </a:ln>
+        </p:spPr>
+        <p:style>
+          <a:lnRef idx="2">
+            <a:schemeClr val="accent1">
+              <a:shade val="50000"/>
+            </a:schemeClr>
+          </a:lnRef>
+          <a:fillRef idx="1">
+            <a:schemeClr val="accent1"/>
+          </a:fillRef>
+          <a:effectRef idx="0">
+            <a:schemeClr val="accent1"/>
+          </a:effectRef>
+          <a:fontRef idx="minor">
+            <a:schemeClr val="lt1"/>
+          </a:fontRef>
+        </p:style>
+        <p:txBody>
+          <a:bodyPr rtlCol="0" anchor="ctr"/>
+          <a:lstStyle/>
+          <a:p>
+            <a:pPr algn="ctr"/>
+            <a:endParaRPr lang="en-US"/>
+          </a:p>
+        </p:txBody>
+      </p:sp>
+      <p:sp>
+        <p:nvSpPr>
+          <p:cNvPr id="112" name="TextBox 111">
+            <a:extLst>
+              <a:ext uri="{FF2B5EF4-FFF2-40B4-BE49-F238E27FC236}">
+                <a16:creationId xmlns:a16="http://schemas.microsoft.com/office/drawing/2014/main" id="{82234FFF-33B7-6348-910C-687436F74834}"/>
+              </a:ext>
+            </a:extLst>
+          </p:cNvPr>
+          <p:cNvSpPr txBox="1"/>
+          <p:nvPr/>
+        </p:nvSpPr>
+        <p:spPr>
+          <a:xfrm>
+            <a:off x="41505865" y="12021812"/>
+            <a:ext cx="1924865" cy="757130"/>
+          </a:xfrm>
+          <a:prstGeom prst="rect">
+            <a:avLst/>
+          </a:prstGeom>
+          <a:noFill/>
+        </p:spPr>
+        <p:txBody>
+          <a:bodyPr wrap="square" rtlCol="0">
+            <a:spAutoFit/>
+          </a:bodyPr>
+          <a:lstStyle/>
+          <a:p>
+            <a:r>
+              <a:rPr lang="en-US" sz="4320" b="1" dirty="0">
+                <a:latin typeface="Georgia" panose="02040502050405020303" pitchFamily="18" charset="0"/>
+              </a:rPr>
+              <a:t>Dyad</a:t>
+            </a:r>
+          </a:p>
+        </p:txBody>
+      </p:sp>
+      <p:sp>
+        <p:nvSpPr>
+          <p:cNvPr id="109" name="TextBox 108">
+            <a:extLst>
+              <a:ext uri="{FF2B5EF4-FFF2-40B4-BE49-F238E27FC236}">
+                <a16:creationId xmlns:a16="http://schemas.microsoft.com/office/drawing/2014/main" id="{2F00803E-61D5-D94C-BC0F-CC924C21F040}"/>
+              </a:ext>
+            </a:extLst>
+          </p:cNvPr>
+          <p:cNvSpPr txBox="1"/>
+          <p:nvPr/>
+        </p:nvSpPr>
+        <p:spPr>
+          <a:xfrm>
+            <a:off x="41222815" y="15470313"/>
+            <a:ext cx="3129146" cy="757130"/>
+          </a:xfrm>
+          <a:prstGeom prst="rect">
+            <a:avLst/>
+          </a:prstGeom>
+          <a:noFill/>
+        </p:spPr>
+        <p:txBody>
+          <a:bodyPr wrap="square" rtlCol="0">
+            <a:spAutoFit/>
+          </a:bodyPr>
+          <a:lstStyle/>
+          <a:p>
+            <a:r>
+              <a:rPr lang="en-US" sz="4320" b="1" dirty="0">
+                <a:latin typeface="Georgia" panose="02040502050405020303" pitchFamily="18" charset="0"/>
+              </a:rPr>
+              <a:t>Baseline</a:t>
+            </a:r>
+          </a:p>
+        </p:txBody>
+      </p:sp>
     </p:spTree>
   </p:cSld>
   <p:clrMapOvr>
